--- a/images/git_branches.pptx
+++ b/images/git_branches.pptx
@@ -104,6 +104,11 @@
       </a:defRPr>
     </a:lvl9pPr>
   </p:defaultTextStyle>
+  <p:extLst>
+    <p:ext uri="{EFAFB233-063F-42B5-8137-9DF3F51BA10A}">
+      <p15:sldGuideLst xmlns:p15="http://schemas.microsoft.com/office/powerpoint/2012/main"/>
+    </p:ext>
+  </p:extLst>
 </p:presentation>
 </file>
 
@@ -254,7 +259,7 @@
           <a:p>
             <a:fld id="{0BBE0EDA-5EB0-4B33-8AE7-B2ED7E85E71C}" type="datetimeFigureOut">
               <a:rPr lang="de-DE" smtClean="0"/>
-              <a:t>03.03.2023</a:t>
+              <a:t>06.03.2023</a:t>
             </a:fld>
             <a:endParaRPr lang="de-DE"/>
           </a:p>
@@ -452,7 +457,7 @@
           <a:p>
             <a:fld id="{0BBE0EDA-5EB0-4B33-8AE7-B2ED7E85E71C}" type="datetimeFigureOut">
               <a:rPr lang="de-DE" smtClean="0"/>
-              <a:t>03.03.2023</a:t>
+              <a:t>06.03.2023</a:t>
             </a:fld>
             <a:endParaRPr lang="de-DE"/>
           </a:p>
@@ -660,7 +665,7 @@
           <a:p>
             <a:fld id="{0BBE0EDA-5EB0-4B33-8AE7-B2ED7E85E71C}" type="datetimeFigureOut">
               <a:rPr lang="de-DE" smtClean="0"/>
-              <a:t>03.03.2023</a:t>
+              <a:t>06.03.2023</a:t>
             </a:fld>
             <a:endParaRPr lang="de-DE"/>
           </a:p>
@@ -858,7 +863,7 @@
           <a:p>
             <a:fld id="{0BBE0EDA-5EB0-4B33-8AE7-B2ED7E85E71C}" type="datetimeFigureOut">
               <a:rPr lang="de-DE" smtClean="0"/>
-              <a:t>03.03.2023</a:t>
+              <a:t>06.03.2023</a:t>
             </a:fld>
             <a:endParaRPr lang="de-DE"/>
           </a:p>
@@ -1133,7 +1138,7 @@
           <a:p>
             <a:fld id="{0BBE0EDA-5EB0-4B33-8AE7-B2ED7E85E71C}" type="datetimeFigureOut">
               <a:rPr lang="de-DE" smtClean="0"/>
-              <a:t>03.03.2023</a:t>
+              <a:t>06.03.2023</a:t>
             </a:fld>
             <a:endParaRPr lang="de-DE"/>
           </a:p>
@@ -1398,7 +1403,7 @@
           <a:p>
             <a:fld id="{0BBE0EDA-5EB0-4B33-8AE7-B2ED7E85E71C}" type="datetimeFigureOut">
               <a:rPr lang="de-DE" smtClean="0"/>
-              <a:t>03.03.2023</a:t>
+              <a:t>06.03.2023</a:t>
             </a:fld>
             <a:endParaRPr lang="de-DE"/>
           </a:p>
@@ -1810,7 +1815,7 @@
           <a:p>
             <a:fld id="{0BBE0EDA-5EB0-4B33-8AE7-B2ED7E85E71C}" type="datetimeFigureOut">
               <a:rPr lang="de-DE" smtClean="0"/>
-              <a:t>03.03.2023</a:t>
+              <a:t>06.03.2023</a:t>
             </a:fld>
             <a:endParaRPr lang="de-DE"/>
           </a:p>
@@ -1951,7 +1956,7 @@
           <a:p>
             <a:fld id="{0BBE0EDA-5EB0-4B33-8AE7-B2ED7E85E71C}" type="datetimeFigureOut">
               <a:rPr lang="de-DE" smtClean="0"/>
-              <a:t>03.03.2023</a:t>
+              <a:t>06.03.2023</a:t>
             </a:fld>
             <a:endParaRPr lang="de-DE"/>
           </a:p>
@@ -2064,7 +2069,7 @@
           <a:p>
             <a:fld id="{0BBE0EDA-5EB0-4B33-8AE7-B2ED7E85E71C}" type="datetimeFigureOut">
               <a:rPr lang="de-DE" smtClean="0"/>
-              <a:t>03.03.2023</a:t>
+              <a:t>06.03.2023</a:t>
             </a:fld>
             <a:endParaRPr lang="de-DE"/>
           </a:p>
@@ -2375,7 +2380,7 @@
           <a:p>
             <a:fld id="{0BBE0EDA-5EB0-4B33-8AE7-B2ED7E85E71C}" type="datetimeFigureOut">
               <a:rPr lang="de-DE" smtClean="0"/>
-              <a:t>03.03.2023</a:t>
+              <a:t>06.03.2023</a:t>
             </a:fld>
             <a:endParaRPr lang="de-DE"/>
           </a:p>
@@ -2663,7 +2668,7 @@
           <a:p>
             <a:fld id="{0BBE0EDA-5EB0-4B33-8AE7-B2ED7E85E71C}" type="datetimeFigureOut">
               <a:rPr lang="de-DE" smtClean="0"/>
-              <a:t>03.03.2023</a:t>
+              <a:t>06.03.2023</a:t>
             </a:fld>
             <a:endParaRPr lang="de-DE"/>
           </a:p>
@@ -2904,7 +2909,7 @@
           <a:p>
             <a:fld id="{0BBE0EDA-5EB0-4B33-8AE7-B2ED7E85E71C}" type="datetimeFigureOut">
               <a:rPr lang="de-DE" smtClean="0"/>
-              <a:t>03.03.2023</a:t>
+              <a:t>06.03.2023</a:t>
             </a:fld>
             <a:endParaRPr lang="de-DE"/>
           </a:p>
@@ -3494,63 +3499,6 @@
       </p:sp>
       <p:sp>
         <p:nvSpPr>
-          <p:cNvPr id="10" name="Ellipse 9">
-            <a:extLst>
-              <a:ext uri="{FF2B5EF4-FFF2-40B4-BE49-F238E27FC236}">
-                <a16:creationId xmlns:a16="http://schemas.microsoft.com/office/drawing/2014/main" id="{D076AA80-9386-08ED-AC7F-5A4AE02ED24B}"/>
-              </a:ext>
-            </a:extLst>
-          </p:cNvPr>
-          <p:cNvSpPr/>
-          <p:nvPr/>
-        </p:nvSpPr>
-        <p:spPr>
-          <a:xfrm>
-            <a:off x="2669094" y="4803392"/>
-            <a:ext cx="1080000" cy="1080000"/>
-          </a:xfrm>
-          <a:prstGeom prst="ellipse">
-            <a:avLst/>
-          </a:prstGeom>
-          <a:solidFill>
-            <a:schemeClr val="accent1">
-              <a:lumMod val="75000"/>
-            </a:schemeClr>
-          </a:solidFill>
-          <a:ln>
-            <a:noFill/>
-          </a:ln>
-        </p:spPr>
-        <p:style>
-          <a:lnRef idx="2">
-            <a:schemeClr val="accent1">
-              <a:shade val="50000"/>
-            </a:schemeClr>
-          </a:lnRef>
-          <a:fillRef idx="1">
-            <a:schemeClr val="accent1"/>
-          </a:fillRef>
-          <a:effectRef idx="0">
-            <a:schemeClr val="accent1"/>
-          </a:effectRef>
-          <a:fontRef idx="minor">
-            <a:schemeClr val="lt1"/>
-          </a:fontRef>
-        </p:style>
-        <p:txBody>
-          <a:bodyPr rtlCol="0" anchor="ctr"/>
-          <a:lstStyle/>
-          <a:p>
-            <a:pPr algn="ctr"/>
-            <a:r>
-              <a:rPr lang="de-DE" sz="1200" b="1" dirty="0"/>
-              <a:t>frontend</a:t>
-            </a:r>
-          </a:p>
-        </p:txBody>
-      </p:sp>
-      <p:sp>
-        <p:nvSpPr>
           <p:cNvPr id="12" name="Ellipse 11">
             <a:extLst>
               <a:ext uri="{FF2B5EF4-FFF2-40B4-BE49-F238E27FC236}">
@@ -4051,7 +3999,6 @@
           <p:cNvCxnSpPr>
             <a:cxnSpLocks/>
             <a:stCxn id="6" idx="6"/>
-            <a:endCxn id="10" idx="2"/>
           </p:cNvCxnSpPr>
           <p:nvPr/>
         </p:nvCxnSpPr>
@@ -4096,7 +4043,6 @@
           </p:cNvPr>
           <p:cNvCxnSpPr>
             <a:cxnSpLocks/>
-            <a:stCxn id="10" idx="6"/>
             <a:endCxn id="24" idx="2"/>
           </p:cNvCxnSpPr>
           <p:nvPr/>
@@ -4142,7 +4088,6 @@
           </p:cNvPr>
           <p:cNvCxnSpPr>
             <a:cxnSpLocks/>
-            <a:stCxn id="10" idx="6"/>
             <a:endCxn id="23" idx="2"/>
           </p:cNvCxnSpPr>
           <p:nvPr/>
@@ -4335,6 +4280,50 @@
           <a:xfrm>
             <a:off x="3749095" y="1621480"/>
             <a:ext cx="2408356" cy="219426"/>
+          </a:xfrm>
+          <a:prstGeom prst="line">
+            <a:avLst/>
+          </a:prstGeom>
+          <a:ln>
+            <a:solidFill>
+              <a:schemeClr val="tx1"/>
+            </a:solidFill>
+            <a:prstDash val="dash"/>
+          </a:ln>
+        </p:spPr>
+        <p:style>
+          <a:lnRef idx="1">
+            <a:schemeClr val="accent1"/>
+          </a:lnRef>
+          <a:fillRef idx="0">
+            <a:schemeClr val="accent1"/>
+          </a:fillRef>
+          <a:effectRef idx="0">
+            <a:schemeClr val="accent1"/>
+          </a:effectRef>
+          <a:fontRef idx="minor">
+            <a:schemeClr val="tx1"/>
+          </a:fontRef>
+        </p:style>
+      </p:cxnSp>
+      <p:cxnSp>
+        <p:nvCxnSpPr>
+          <p:cNvPr id="2" name="Gerader Verbinder 1">
+            <a:extLst>
+              <a:ext uri="{FF2B5EF4-FFF2-40B4-BE49-F238E27FC236}">
+                <a16:creationId xmlns:a16="http://schemas.microsoft.com/office/drawing/2014/main" id="{6CFA97B2-A5FD-CCB3-F0E2-E3D845029DCF}"/>
+              </a:ext>
+            </a:extLst>
+          </p:cNvPr>
+          <p:cNvCxnSpPr>
+            <a:cxnSpLocks/>
+          </p:cNvCxnSpPr>
+          <p:nvPr/>
+        </p:nvCxnSpPr>
+        <p:spPr>
+          <a:xfrm flipV="1">
+            <a:off x="2671705" y="5342672"/>
+            <a:ext cx="1094145" cy="1"/>
           </a:xfrm>
           <a:prstGeom prst="line">
             <a:avLst/>
